--- a/course/compiler/lecture/Chapter1L3.pptx
+++ b/course/compiler/lecture/Chapter1L3.pptx
@@ -5678,13 +5678,8 @@
             <a:pPr rtl="0"/>
             <a:r>
               <a:rPr lang="en-US" dirty="0"/>
-              <a:t>Generation of </a:t>
-            </a:r>
-            <a:r>
-              <a:rPr lang="en-US" dirty="0" err="1"/>
-              <a:t>Compiliers</a:t>
-            </a:r>
-            <a:endParaRPr lang="en-US" dirty="0"/>
+              <a:t>Generation of Compilers</a:t>
+            </a:r>
           </a:p>
         </p:txBody>
       </p:sp>
@@ -7155,6 +7150,15 @@
 </file>
 
 <file path=customXml/item1.xml><?xml version="1.0" encoding="utf-8"?>
+<?mso-contentType ?>
+<FormTemplates xmlns="http://schemas.microsoft.com/sharepoint/v3/contenttype/forms">
+  <Display>DocumentLibraryForm</Display>
+  <Edit>AssetEditForm</Edit>
+  <New>DocumentLibraryForm</New>
+</FormTemplates>
+</file>
+
+<file path=customXml/item2.xml><?xml version="1.0" encoding="utf-8"?>
 <ct:contentTypeSchema xmlns:ct="http://schemas.microsoft.com/office/2006/metadata/contentType" xmlns:ma="http://schemas.microsoft.com/office/2006/metadata/properties/metaAttributes" ct:_="" ma:_="" ma:contentTypeName="TemplateFile" ma:contentTypeID="0x0101006EDDDB5EE6D98C44930B742096920B300400F5B6D36B3EF94B4E9A635CDF2A18F5B8" ma:contentTypeVersion="72" ma:contentTypeDescription="Create a new document." ma:contentTypeScope="" ma:versionID="a23e56308344d904b51738559c3d67c9">
   <xsd:schema xmlns:xsd="http://www.w3.org/2001/XMLSchema" xmlns:xs="http://www.w3.org/2001/XMLSchema" xmlns:p="http://schemas.microsoft.com/office/2006/metadata/properties" xmlns:ns2="4873beb7-5857-4685-be1f-d57550cc96cc" targetNamespace="http://schemas.microsoft.com/office/2006/metadata/properties" ma:root="true" ma:fieldsID="cd0908cc4600e77bf5da051303e00c8d" ns2:_="">
     <xsd:import namespace="4873beb7-5857-4685-be1f-d57550cc96cc"/>
@@ -8194,15 +8198,6 @@
 </ct:contentTypeSchema>
 </file>
 
-<file path=customXml/item2.xml><?xml version="1.0" encoding="utf-8"?>
-<?mso-contentType ?>
-<FormTemplates xmlns="http://schemas.microsoft.com/sharepoint/v3/contenttype/forms">
-  <Display>DocumentLibraryForm</Display>
-  <Edit>AssetEditForm</Edit>
-  <New>DocumentLibraryForm</New>
-</FormTemplates>
-</file>
-
 <file path=customXml/item3.xml><?xml version="1.0" encoding="utf-8"?>
 <p:properties xmlns:p="http://schemas.microsoft.com/office/2006/metadata/properties" xmlns:xsi="http://www.w3.org/2001/XMLSchema-instance" xmlns:pc="http://schemas.microsoft.com/office/infopath/2007/PartnerControls">
   <documentManagement>
@@ -8330,6 +8325,14 @@
 </file>
 
 <file path=customXml/itemProps1.xml><?xml version="1.0" encoding="utf-8"?>
+<ds:datastoreItem xmlns:ds="http://schemas.openxmlformats.org/officeDocument/2006/customXml" ds:itemID="{561E720F-F05D-4536-9C34-0CFCED65D3B7}">
+  <ds:schemaRefs>
+    <ds:schemaRef ds:uri="http://schemas.microsoft.com/sharepoint/v3/contenttype/forms"/>
+  </ds:schemaRefs>
+</ds:datastoreItem>
+</file>
+
+<file path=customXml/itemProps2.xml><?xml version="1.0" encoding="utf-8"?>
 <ds:datastoreItem xmlns:ds="http://schemas.openxmlformats.org/officeDocument/2006/customXml" ds:itemID="{28C8B9CA-0273-4370-889A-FC05DA5C2FA5}">
   <ds:schemaRefs>
     <ds:schemaRef ds:uri="http://schemas.microsoft.com/office/2006/metadata/contentType"/>
@@ -8343,14 +8346,6 @@
     <ds:schemaRef ds:uri="http://purl.org/dc/elements/1.1/"/>
     <ds:schemaRef ds:uri="http://purl.org/dc/terms/"/>
     <ds:schemaRef ds:uri="http://schemas.microsoft.com/internal/obd"/>
-  </ds:schemaRefs>
-</ds:datastoreItem>
-</file>
-
-<file path=customXml/itemProps2.xml><?xml version="1.0" encoding="utf-8"?>
-<ds:datastoreItem xmlns:ds="http://schemas.openxmlformats.org/officeDocument/2006/customXml" ds:itemID="{561E720F-F05D-4536-9C34-0CFCED65D3B7}">
-  <ds:schemaRefs>
-    <ds:schemaRef ds:uri="http://schemas.microsoft.com/sharepoint/v3/contenttype/forms"/>
   </ds:schemaRefs>
 </ds:datastoreItem>
 </file>
